--- a/NatsPresentation.pptx
+++ b/NatsPresentation.pptx
@@ -14,7 +14,8 @@
     <p:sldId id="262" r:id="rId8"/>
     <p:sldId id="263" r:id="rId9"/>
     <p:sldId id="264" r:id="rId10"/>
-    <p:sldId id="265" r:id="rId11"/>
+    <p:sldId id="266" r:id="rId11"/>
+    <p:sldId id="265" r:id="rId12"/>
   </p:sldIdLst>
   <p:sldSz cx="12192000" cy="6858000"/>
   <p:notesSz cx="6858000" cy="9144000"/>
@@ -113,6 +114,11 @@
       </a:defRPr>
     </a:lvl9pPr>
   </p:defaultTextStyle>
+  <p:extLst>
+    <p:ext uri="{EFAFB233-063F-42B5-8137-9DF3F51BA10A}">
+      <p15:sldGuideLst xmlns:p15="http://schemas.microsoft.com/office/powerpoint/2012/main"/>
+    </p:ext>
+  </p:extLst>
 </p:presentation>
 </file>
 
@@ -9436,6 +9442,502 @@
           <a:chExt cx="0" cy="0"/>
         </a:xfrm>
       </p:grpSpPr>
+      <p:sp useBgFill="1">
+        <p:nvSpPr>
+          <p:cNvPr id="9" name="Rectangle 8">
+            <a:extLst>
+              <a:ext uri="{FF2B5EF4-FFF2-40B4-BE49-F238E27FC236}">
+                <a16:creationId xmlns:a16="http://schemas.microsoft.com/office/drawing/2014/main" id="{987A0FBA-CC04-4256-A8EB-BB3C543E989C}"/>
+              </a:ext>
+              <a:ext uri="{C183D7F6-B498-43B3-948B-1728B52AA6E4}">
+                <adec:decorative xmlns:adec="http://schemas.microsoft.com/office/drawing/2017/decorative" val="1"/>
+              </a:ext>
+            </a:extLst>
+          </p:cNvPr>
+          <p:cNvSpPr>
+            <a:spLocks noGrp="1" noRot="1" noChangeAspect="1" noMove="1" noResize="1" noEditPoints="1" noAdjustHandles="1" noChangeArrowheads="1" noChangeShapeType="1" noTextEdit="1"/>
+          </p:cNvSpPr>
+          <p:nvPr>
+            <p:extLst>
+              <p:ext uri="{386F3935-93C4-4BCD-93E2-E3B085C9AB24}">
+                <p16:designElem xmlns:p16="http://schemas.microsoft.com/office/powerpoint/2015/main" val="1"/>
+              </p:ext>
+            </p:extLst>
+          </p:nvPr>
+        </p:nvSpPr>
+        <p:spPr>
+          <a:xfrm>
+            <a:off x="0" y="0"/>
+            <a:ext cx="12192000" cy="6858000"/>
+          </a:xfrm>
+          <a:prstGeom prst="rect">
+            <a:avLst/>
+          </a:prstGeom>
+          <a:ln w="12700" cap="flat" cmpd="sng" algn="ctr">
+            <a:noFill/>
+            <a:prstDash val="solid"/>
+            <a:miter lim="800000"/>
+          </a:ln>
+          <a:effectLst/>
+          <a:extLst>
+            <a:ext uri="{91240B29-F687-4F45-9708-019B960494DF}">
+              <a14:hiddenLine xmlns:a14="http://schemas.microsoft.com/office/drawing/2010/main" w="12700" cap="flat" cmpd="sng" algn="ctr">
+                <a:solidFill>
+                  <a:schemeClr val="accent1">
+                    <a:shade val="50000"/>
+                  </a:schemeClr>
+                </a:solidFill>
+                <a:prstDash val="solid"/>
+                <a:miter lim="800000"/>
+              </a14:hiddenLine>
+            </a:ext>
+          </a:extLst>
+        </p:spPr>
+        <p:style>
+          <a:lnRef idx="2">
+            <a:schemeClr val="accent1">
+              <a:shade val="50000"/>
+            </a:schemeClr>
+          </a:lnRef>
+          <a:fillRef idx="1">
+            <a:schemeClr val="accent1"/>
+          </a:fillRef>
+          <a:effectRef idx="0">
+            <a:schemeClr val="accent1"/>
+          </a:effectRef>
+          <a:fontRef idx="minor">
+            <a:schemeClr val="lt1"/>
+          </a:fontRef>
+        </p:style>
+        <p:txBody>
+          <a:bodyPr rtlCol="0" anchor="ctr"/>
+          <a:lstStyle/>
+          <a:p>
+            <a:pPr algn="ctr"/>
+            <a:endParaRPr lang="en-US"/>
+          </a:p>
+        </p:txBody>
+      </p:sp>
+      <p:pic>
+        <p:nvPicPr>
+          <p:cNvPr id="5" name="Picture 4" descr="Locator flag on a city map">
+            <a:extLst>
+              <a:ext uri="{FF2B5EF4-FFF2-40B4-BE49-F238E27FC236}">
+                <a16:creationId xmlns:a16="http://schemas.microsoft.com/office/drawing/2014/main" id="{ABCB25A9-BA95-478F-9022-BE18B8F5663B}"/>
+              </a:ext>
+            </a:extLst>
+          </p:cNvPr>
+          <p:cNvPicPr>
+            <a:picLocks noChangeAspect="1"/>
+          </p:cNvPicPr>
+          <p:nvPr/>
+        </p:nvPicPr>
+        <p:blipFill rotWithShape="1">
+          <a:blip r:embed="rId2"/>
+          <a:srcRect r="38227" b="1"/>
+          <a:stretch/>
+        </p:blipFill>
+        <p:spPr>
+          <a:xfrm>
+            <a:off x="6613174" y="10"/>
+            <a:ext cx="5578824" cy="6028246"/>
+          </a:xfrm>
+          <a:custGeom>
+            <a:avLst/>
+            <a:gdLst/>
+            <a:ahLst/>
+            <a:cxnLst/>
+            <a:rect l="l" t="t" r="r" b="b"/>
+            <a:pathLst>
+              <a:path w="5578824" h="6028256">
+                <a:moveTo>
+                  <a:pt x="1681218" y="0"/>
+                </a:moveTo>
+                <a:lnTo>
+                  <a:pt x="5578824" y="0"/>
+                </a:lnTo>
+                <a:lnTo>
+                  <a:pt x="5578824" y="5760161"/>
+                </a:lnTo>
+                <a:lnTo>
+                  <a:pt x="5441231" y="5804042"/>
+                </a:lnTo>
+                <a:cubicBezTo>
+                  <a:pt x="5079089" y="5907589"/>
+                  <a:pt x="4674877" y="5944442"/>
+                  <a:pt x="4253224" y="5980388"/>
+                </a:cubicBezTo>
+                <a:cubicBezTo>
+                  <a:pt x="2813852" y="6102970"/>
+                  <a:pt x="1551586" y="6071494"/>
+                  <a:pt x="837278" y="4877588"/>
+                </a:cubicBezTo>
+                <a:cubicBezTo>
+                  <a:pt x="529862" y="4363935"/>
+                  <a:pt x="255162" y="3847185"/>
+                  <a:pt x="109626" y="3329255"/>
+                </a:cubicBezTo>
+                <a:cubicBezTo>
+                  <a:pt x="-35907" y="2811325"/>
+                  <a:pt x="-52277" y="2292214"/>
+                  <a:pt x="156962" y="1773839"/>
+                </a:cubicBezTo>
+                <a:cubicBezTo>
+                  <a:pt x="296494" y="1428108"/>
+                  <a:pt x="536161" y="1082881"/>
+                  <a:pt x="904890" y="738354"/>
+                </a:cubicBezTo>
+                <a:cubicBezTo>
+                  <a:pt x="1036690" y="615181"/>
+                  <a:pt x="1169968" y="488910"/>
+                  <a:pt x="1304592" y="360545"/>
+                </a:cubicBezTo>
+                <a:close/>
+              </a:path>
+            </a:pathLst>
+          </a:custGeom>
+        </p:spPr>
+      </p:pic>
+      <p:sp>
+        <p:nvSpPr>
+          <p:cNvPr id="11" name="Freeform: Shape 10">
+            <a:extLst>
+              <a:ext uri="{FF2B5EF4-FFF2-40B4-BE49-F238E27FC236}">
+                <a16:creationId xmlns:a16="http://schemas.microsoft.com/office/drawing/2014/main" id="{3362A0EA-3E81-4464-94B8-70BE5870EDC0}"/>
+              </a:ext>
+              <a:ext uri="{C183D7F6-B498-43B3-948B-1728B52AA6E4}">
+                <adec:decorative xmlns:adec="http://schemas.microsoft.com/office/drawing/2017/decorative" val="1"/>
+              </a:ext>
+            </a:extLst>
+          </p:cNvPr>
+          <p:cNvSpPr>
+            <a:spLocks noGrp="1" noRot="1" noChangeAspect="1" noMove="1" noResize="1" noEditPoints="1" noAdjustHandles="1" noChangeArrowheads="1" noChangeShapeType="1" noTextEdit="1"/>
+          </p:cNvSpPr>
+          <p:nvPr>
+            <p:extLst>
+              <p:ext uri="{386F3935-93C4-4BCD-93E2-E3B085C9AB24}">
+                <p16:designElem xmlns:p16="http://schemas.microsoft.com/office/powerpoint/2015/main" val="1"/>
+              </p:ext>
+            </p:extLst>
+          </p:nvPr>
+        </p:nvSpPr>
+        <p:spPr>
+          <a:xfrm flipH="1">
+            <a:off x="6487883" y="0"/>
+            <a:ext cx="5704117" cy="6096000"/>
+          </a:xfrm>
+          <a:custGeom>
+            <a:avLst/>
+            <a:gdLst>
+              <a:gd name="connsiteX0" fmla="*/ 0 w 5704117"/>
+              <a:gd name="connsiteY0" fmla="*/ 0 h 6096000"/>
+              <a:gd name="connsiteX1" fmla="*/ 4562795 w 5704117"/>
+              <a:gd name="connsiteY1" fmla="*/ 0 h 6096000"/>
+              <a:gd name="connsiteX2" fmla="*/ 4721192 w 5704117"/>
+              <a:gd name="connsiteY2" fmla="*/ 133595 h 6096000"/>
+              <a:gd name="connsiteX3" fmla="*/ 5467522 w 5704117"/>
+              <a:gd name="connsiteY3" fmla="*/ 1054328 h 6096000"/>
+              <a:gd name="connsiteX4" fmla="*/ 5538873 w 5704117"/>
+              <a:gd name="connsiteY4" fmla="*/ 2897564 h 6096000"/>
+              <a:gd name="connsiteX5" fmla="*/ 4442050 w 5704117"/>
+              <a:gd name="connsiteY5" fmla="*/ 4732407 h 6096000"/>
+              <a:gd name="connsiteX6" fmla="*/ 93046 w 5704117"/>
+              <a:gd name="connsiteY6" fmla="*/ 6082857 h 6096000"/>
+              <a:gd name="connsiteX7" fmla="*/ 0 w 5704117"/>
+              <a:gd name="connsiteY7" fmla="*/ 6078450 h 6096000"/>
+              <a:gd name="connsiteX0" fmla="*/ 4562795 w 5704117"/>
+              <a:gd name="connsiteY0" fmla="*/ 0 h 6096000"/>
+              <a:gd name="connsiteX1" fmla="*/ 4721192 w 5704117"/>
+              <a:gd name="connsiteY1" fmla="*/ 133595 h 6096000"/>
+              <a:gd name="connsiteX2" fmla="*/ 5467522 w 5704117"/>
+              <a:gd name="connsiteY2" fmla="*/ 1054328 h 6096000"/>
+              <a:gd name="connsiteX3" fmla="*/ 5538873 w 5704117"/>
+              <a:gd name="connsiteY3" fmla="*/ 2897564 h 6096000"/>
+              <a:gd name="connsiteX4" fmla="*/ 4442050 w 5704117"/>
+              <a:gd name="connsiteY4" fmla="*/ 4732407 h 6096000"/>
+              <a:gd name="connsiteX5" fmla="*/ 93046 w 5704117"/>
+              <a:gd name="connsiteY5" fmla="*/ 6082857 h 6096000"/>
+              <a:gd name="connsiteX6" fmla="*/ 0 w 5704117"/>
+              <a:gd name="connsiteY6" fmla="*/ 6078450 h 6096000"/>
+              <a:gd name="connsiteX7" fmla="*/ 91440 w 5704117"/>
+              <a:gd name="connsiteY7" fmla="*/ 91440 h 6096000"/>
+              <a:gd name="connsiteX0" fmla="*/ 4562795 w 5704117"/>
+              <a:gd name="connsiteY0" fmla="*/ 0 h 6096000"/>
+              <a:gd name="connsiteX1" fmla="*/ 4721192 w 5704117"/>
+              <a:gd name="connsiteY1" fmla="*/ 133595 h 6096000"/>
+              <a:gd name="connsiteX2" fmla="*/ 5467522 w 5704117"/>
+              <a:gd name="connsiteY2" fmla="*/ 1054328 h 6096000"/>
+              <a:gd name="connsiteX3" fmla="*/ 5538873 w 5704117"/>
+              <a:gd name="connsiteY3" fmla="*/ 2897564 h 6096000"/>
+              <a:gd name="connsiteX4" fmla="*/ 4442050 w 5704117"/>
+              <a:gd name="connsiteY4" fmla="*/ 4732407 h 6096000"/>
+              <a:gd name="connsiteX5" fmla="*/ 93046 w 5704117"/>
+              <a:gd name="connsiteY5" fmla="*/ 6082857 h 6096000"/>
+              <a:gd name="connsiteX6" fmla="*/ 0 w 5704117"/>
+              <a:gd name="connsiteY6" fmla="*/ 6078450 h 6096000"/>
+            </a:gdLst>
+            <a:ahLst/>
+            <a:cxnLst>
+              <a:cxn ang="0">
+                <a:pos x="connsiteX0" y="connsiteY0"/>
+              </a:cxn>
+              <a:cxn ang="0">
+                <a:pos x="connsiteX1" y="connsiteY1"/>
+              </a:cxn>
+              <a:cxn ang="0">
+                <a:pos x="connsiteX2" y="connsiteY2"/>
+              </a:cxn>
+              <a:cxn ang="0">
+                <a:pos x="connsiteX3" y="connsiteY3"/>
+              </a:cxn>
+              <a:cxn ang="0">
+                <a:pos x="connsiteX4" y="connsiteY4"/>
+              </a:cxn>
+              <a:cxn ang="0">
+                <a:pos x="connsiteX5" y="connsiteY5"/>
+              </a:cxn>
+              <a:cxn ang="0">
+                <a:pos x="connsiteX6" y="connsiteY6"/>
+              </a:cxn>
+            </a:cxnLst>
+            <a:rect l="l" t="t" r="r" b="b"/>
+            <a:pathLst>
+              <a:path w="5704117" h="6096000">
+                <a:moveTo>
+                  <a:pt x="4562795" y="0"/>
+                </a:moveTo>
+                <a:lnTo>
+                  <a:pt x="4721192" y="133595"/>
+                </a:lnTo>
+                <a:cubicBezTo>
+                  <a:pt x="5067135" y="440105"/>
+                  <a:pt x="5309779" y="747048"/>
+                  <a:pt x="5467522" y="1054328"/>
+                </a:cubicBezTo>
+                <a:cubicBezTo>
+                  <a:pt x="5782917" y="1668625"/>
+                  <a:pt x="5758242" y="2283795"/>
+                  <a:pt x="5538873" y="2897564"/>
+                </a:cubicBezTo>
+                <a:cubicBezTo>
+                  <a:pt x="5319500" y="3511334"/>
+                  <a:pt x="4905433" y="4123706"/>
+                  <a:pt x="4442050" y="4732407"/>
+                </a:cubicBezTo>
+                <a:cubicBezTo>
+                  <a:pt x="3499930" y="5970384"/>
+                  <a:pt x="1925433" y="6153690"/>
+                  <a:pt x="93046" y="6082857"/>
+                </a:cubicBezTo>
+                <a:lnTo>
+                  <a:pt x="0" y="6078450"/>
+                </a:lnTo>
+              </a:path>
+            </a:pathLst>
+          </a:custGeom>
+          <a:noFill/>
+          <a:ln w="19050">
+            <a:solidFill>
+              <a:schemeClr val="accent2">
+                <a:lumMod val="60000"/>
+                <a:lumOff val="40000"/>
+              </a:schemeClr>
+            </a:solidFill>
+          </a:ln>
+        </p:spPr>
+        <p:style>
+          <a:lnRef idx="2">
+            <a:schemeClr val="accent1">
+              <a:shade val="50000"/>
+            </a:schemeClr>
+          </a:lnRef>
+          <a:fillRef idx="1">
+            <a:schemeClr val="accent1"/>
+          </a:fillRef>
+          <a:effectRef idx="0">
+            <a:schemeClr val="accent1"/>
+          </a:effectRef>
+          <a:fontRef idx="minor">
+            <a:schemeClr val="lt1"/>
+          </a:fontRef>
+        </p:style>
+        <p:txBody>
+          <a:bodyPr wrap="square" rtlCol="0" anchor="ctr">
+            <a:noAutofit/>
+          </a:bodyPr>
+          <a:lstStyle/>
+          <a:p>
+            <a:pPr algn="ctr"/>
+            <a:endParaRPr lang="en-US">
+              <a:solidFill>
+                <a:prstClr val="white"/>
+              </a:solidFill>
+              <a:latin typeface="Avenir Next LT Pro Light"/>
+            </a:endParaRPr>
+          </a:p>
+        </p:txBody>
+      </p:sp>
+      <p:sp>
+        <p:nvSpPr>
+          <p:cNvPr id="3" name="Content Placeholder 2">
+            <a:extLst>
+              <a:ext uri="{FF2B5EF4-FFF2-40B4-BE49-F238E27FC236}">
+                <a16:creationId xmlns:a16="http://schemas.microsoft.com/office/drawing/2014/main" id="{E3D2D377-EF1E-4DA6-BBD5-5854EDDF8469}"/>
+              </a:ext>
+            </a:extLst>
+          </p:cNvPr>
+          <p:cNvSpPr>
+            <a:spLocks noGrp="1"/>
+          </p:cNvSpPr>
+          <p:nvPr>
+            <p:ph idx="1"/>
+          </p:nvPr>
+        </p:nvSpPr>
+        <p:spPr>
+          <a:xfrm>
+            <a:off x="762000" y="2286000"/>
+            <a:ext cx="5334000" cy="3810001"/>
+          </a:xfrm>
+        </p:spPr>
+        <p:txBody>
+          <a:bodyPr>
+            <a:normAutofit/>
+          </a:bodyPr>
+          <a:lstStyle/>
+          <a:p>
+            <a:r>
+              <a:rPr lang="en-US" sz="2400" dirty="0"/>
+              <a:t>Website</a:t>
+            </a:r>
+          </a:p>
+          <a:p>
+            <a:pPr marL="0" indent="0">
+              <a:buNone/>
+            </a:pPr>
+            <a:r>
+              <a:rPr lang="en-US" sz="2400" dirty="0">
+                <a:hlinkClick r:id="rId3"/>
+              </a:rPr>
+              <a:t>https://nats.io/</a:t>
+            </a:r>
+            <a:endParaRPr lang="en-US" sz="2400" dirty="0"/>
+          </a:p>
+          <a:p>
+            <a:r>
+              <a:rPr lang="en-US" sz="2400" dirty="0"/>
+              <a:t>Documentation</a:t>
+            </a:r>
+          </a:p>
+          <a:p>
+            <a:pPr marL="0" indent="0">
+              <a:buNone/>
+            </a:pPr>
+            <a:r>
+              <a:rPr lang="en-US" sz="2400" dirty="0">
+                <a:hlinkClick r:id="rId4"/>
+              </a:rPr>
+              <a:t>https://docs.nats.io/</a:t>
+            </a:r>
+            <a:endParaRPr lang="en-US" sz="2400" dirty="0"/>
+          </a:p>
+          <a:p>
+            <a:r>
+              <a:rPr lang="en-US" sz="2400" dirty="0"/>
+              <a:t>Official C# NATS </a:t>
+            </a:r>
+            <a:r>
+              <a:rPr lang="en-US" sz="2400" dirty="0" err="1"/>
+              <a:t>github</a:t>
+            </a:r>
+            <a:endParaRPr lang="en-US" sz="2400" dirty="0"/>
+          </a:p>
+          <a:p>
+            <a:pPr marL="0" indent="0">
+              <a:buNone/>
+            </a:pPr>
+            <a:r>
+              <a:rPr lang="en-US" sz="2400" dirty="0">
+                <a:hlinkClick r:id="rId5"/>
+              </a:rPr>
+              <a:t>https://github.com/nats-io/nats.net</a:t>
+            </a:r>
+            <a:endParaRPr lang="en-US" sz="2400" dirty="0"/>
+          </a:p>
+        </p:txBody>
+      </p:sp>
+      <p:sp>
+        <p:nvSpPr>
+          <p:cNvPr id="2" name="Title 1">
+            <a:extLst>
+              <a:ext uri="{FF2B5EF4-FFF2-40B4-BE49-F238E27FC236}">
+                <a16:creationId xmlns:a16="http://schemas.microsoft.com/office/drawing/2014/main" id="{BAFE3010-AF6D-436A-BE90-5BE5F482B416}"/>
+              </a:ext>
+            </a:extLst>
+          </p:cNvPr>
+          <p:cNvSpPr>
+            <a:spLocks noGrp="1"/>
+          </p:cNvSpPr>
+          <p:nvPr>
+            <p:ph type="title"/>
+          </p:nvPr>
+        </p:nvSpPr>
+        <p:spPr>
+          <a:xfrm>
+            <a:off x="762000" y="762000"/>
+            <a:ext cx="5334000" cy="1524000"/>
+          </a:xfrm>
+        </p:spPr>
+        <p:txBody>
+          <a:bodyPr>
+            <a:normAutofit/>
+          </a:bodyPr>
+          <a:lstStyle/>
+          <a:p>
+            <a:r>
+              <a:rPr lang="en-US" sz="3200"/>
+              <a:t>Where to Find more information</a:t>
+            </a:r>
+          </a:p>
+        </p:txBody>
+      </p:sp>
+    </p:spTree>
+    <p:extLst>
+      <p:ext uri="{BB962C8B-B14F-4D97-AF65-F5344CB8AC3E}">
+        <p14:creationId xmlns:p14="http://schemas.microsoft.com/office/powerpoint/2010/main" val="2087271769"/>
+      </p:ext>
+    </p:extLst>
+  </p:cSld>
+  <p:clrMapOvr>
+    <a:masterClrMapping/>
+  </p:clrMapOvr>
+</p:sld>
+</file>
+
+<file path=ppt/slides/slide11.xml><?xml version="1.0" encoding="utf-8"?>
+<p:sld xmlns:a="http://schemas.openxmlformats.org/drawingml/2006/main" xmlns:r="http://schemas.openxmlformats.org/officeDocument/2006/relationships" xmlns:p="http://schemas.openxmlformats.org/presentationml/2006/main">
+  <p:cSld>
+    <p:bg>
+      <p:bgPr>
+        <a:solidFill>
+          <a:schemeClr val="bg2"/>
+        </a:solidFill>
+        <a:effectLst/>
+      </p:bgPr>
+    </p:bg>
+    <p:spTree>
+      <p:nvGrpSpPr>
+        <p:cNvPr id="1" name=""/>
+        <p:cNvGrpSpPr/>
+        <p:nvPr/>
+      </p:nvGrpSpPr>
+      <p:grpSpPr>
+        <a:xfrm>
+          <a:off x="0" y="0"/>
+          <a:ext cx="0" cy="0"/>
+          <a:chOff x="0" y="0"/>
+          <a:chExt cx="0" cy="0"/>
+        </a:xfrm>
+      </p:grpSpPr>
       <p:sp>
         <p:nvSpPr>
           <p:cNvPr id="9" name="Freeform: Shape 8">
@@ -14643,8 +15145,13 @@
           <a:p>
             <a:r>
               <a:rPr lang="en-US" sz="3200" dirty="0"/>
-              <a:t>How to use NATS</a:t>
+              <a:t>How to </a:t>
             </a:r>
+            <a:r>
+              <a:rPr lang="en-US" sz="3200"/>
+              <a:t>set up NATS Server</a:t>
+            </a:r>
+            <a:endParaRPr lang="en-US" sz="3200" dirty="0"/>
           </a:p>
         </p:txBody>
       </p:sp>
@@ -14677,7 +15184,7 @@
         </p:blipFill>
         <p:spPr bwMode="auto">
           <a:xfrm>
-            <a:off x="6663416" y="85725"/>
+            <a:off x="7018522" y="609508"/>
             <a:ext cx="5724525" cy="4105275"/>
           </a:xfrm>
           <a:prstGeom prst="rect">
